--- a/Snowflake and Colab Notebook.pptx
+++ b/Snowflake and Colab Notebook.pptx
@@ -108,6 +108,11 @@
       </a:defRPr>
     </a:lvl9pPr>
   </p:defaultTextStyle>
+  <p:extLst>
+    <p:ext uri="{EFAFB233-063F-42B5-8137-9DF3F51BA10A}">
+      <p15:sldGuideLst xmlns:p15="http://schemas.microsoft.com/office/powerpoint/2012/main"/>
+    </p:ext>
+  </p:extLst>
 </p:presentation>
 </file>
 
@@ -5932,6 +5937,16 @@
             </a:r>
           </a:p>
           <a:p>
+            <a:pPr>
+              <a:buFont typeface="Arial" panose="020B0604020202020204" pitchFamily="34" charset="0"/>
+              <a:buChar char="•"/>
+            </a:pPr>
+            <a:r>
+              <a:rPr lang="en-US" dirty="0"/>
+              <a:t>Snowflake is SaaS that is software as a service.</a:t>
+            </a:r>
+          </a:p>
+          <a:p>
             <a:endParaRPr lang="en-US" dirty="0"/>
           </a:p>
         </p:txBody>
